--- a/HEAiRT2.pptx
+++ b/HEAiRT2.pptx
@@ -309,7 +309,7 @@
           <a:p>
             <a:fld id="{394EF348-27F0-4FB7-B6FA-C579FEB8C8BE}" type="datetimeFigureOut">
               <a:rPr lang="pl-PL" smtClean="0"/>
-              <a:t>22.01.2023</a:t>
+              <a:t>23.01.2023</a:t>
             </a:fld>
             <a:endParaRPr lang="pl-PL"/>
           </a:p>
@@ -479,7 +479,7 @@
           <a:p>
             <a:fld id="{394EF348-27F0-4FB7-B6FA-C579FEB8C8BE}" type="datetimeFigureOut">
               <a:rPr lang="pl-PL" smtClean="0"/>
-              <a:t>22.01.2023</a:t>
+              <a:t>23.01.2023</a:t>
             </a:fld>
             <a:endParaRPr lang="pl-PL"/>
           </a:p>
@@ -659,7 +659,7 @@
           <a:p>
             <a:fld id="{394EF348-27F0-4FB7-B6FA-C579FEB8C8BE}" type="datetimeFigureOut">
               <a:rPr lang="pl-PL" smtClean="0"/>
-              <a:t>22.01.2023</a:t>
+              <a:t>23.01.2023</a:t>
             </a:fld>
             <a:endParaRPr lang="pl-PL"/>
           </a:p>
@@ -829,7 +829,7 @@
           <a:p>
             <a:fld id="{394EF348-27F0-4FB7-B6FA-C579FEB8C8BE}" type="datetimeFigureOut">
               <a:rPr lang="pl-PL" smtClean="0"/>
-              <a:t>22.01.2023</a:t>
+              <a:t>23.01.2023</a:t>
             </a:fld>
             <a:endParaRPr lang="pl-PL"/>
           </a:p>
@@ -1075,7 +1075,7 @@
           <a:p>
             <a:fld id="{394EF348-27F0-4FB7-B6FA-C579FEB8C8BE}" type="datetimeFigureOut">
               <a:rPr lang="pl-PL" smtClean="0"/>
-              <a:t>22.01.2023</a:t>
+              <a:t>23.01.2023</a:t>
             </a:fld>
             <a:endParaRPr lang="pl-PL"/>
           </a:p>
@@ -1363,7 +1363,7 @@
           <a:p>
             <a:fld id="{394EF348-27F0-4FB7-B6FA-C579FEB8C8BE}" type="datetimeFigureOut">
               <a:rPr lang="pl-PL" smtClean="0"/>
-              <a:t>22.01.2023</a:t>
+              <a:t>23.01.2023</a:t>
             </a:fld>
             <a:endParaRPr lang="pl-PL"/>
           </a:p>
@@ -1785,7 +1785,7 @@
           <a:p>
             <a:fld id="{394EF348-27F0-4FB7-B6FA-C579FEB8C8BE}" type="datetimeFigureOut">
               <a:rPr lang="pl-PL" smtClean="0"/>
-              <a:t>22.01.2023</a:t>
+              <a:t>23.01.2023</a:t>
             </a:fld>
             <a:endParaRPr lang="pl-PL"/>
           </a:p>
@@ -1903,7 +1903,7 @@
           <a:p>
             <a:fld id="{394EF348-27F0-4FB7-B6FA-C579FEB8C8BE}" type="datetimeFigureOut">
               <a:rPr lang="pl-PL" smtClean="0"/>
-              <a:t>22.01.2023</a:t>
+              <a:t>23.01.2023</a:t>
             </a:fld>
             <a:endParaRPr lang="pl-PL"/>
           </a:p>
@@ -1998,7 +1998,7 @@
           <a:p>
             <a:fld id="{394EF348-27F0-4FB7-B6FA-C579FEB8C8BE}" type="datetimeFigureOut">
               <a:rPr lang="pl-PL" smtClean="0"/>
-              <a:t>22.01.2023</a:t>
+              <a:t>23.01.2023</a:t>
             </a:fld>
             <a:endParaRPr lang="pl-PL"/>
           </a:p>
@@ -2275,7 +2275,7 @@
           <a:p>
             <a:fld id="{394EF348-27F0-4FB7-B6FA-C579FEB8C8BE}" type="datetimeFigureOut">
               <a:rPr lang="pl-PL" smtClean="0"/>
-              <a:t>22.01.2023</a:t>
+              <a:t>23.01.2023</a:t>
             </a:fld>
             <a:endParaRPr lang="pl-PL"/>
           </a:p>
@@ -2528,7 +2528,7 @@
           <a:p>
             <a:fld id="{394EF348-27F0-4FB7-B6FA-C579FEB8C8BE}" type="datetimeFigureOut">
               <a:rPr lang="pl-PL" smtClean="0"/>
-              <a:t>22.01.2023</a:t>
+              <a:t>23.01.2023</a:t>
             </a:fld>
             <a:endParaRPr lang="pl-PL"/>
           </a:p>
@@ -2765,7 +2765,7 @@
           <a:p>
             <a:fld id="{394EF348-27F0-4FB7-B6FA-C579FEB8C8BE}" type="datetimeFigureOut">
               <a:rPr lang="pl-PL" smtClean="0"/>
-              <a:t>22.01.2023</a:t>
+              <a:t>23.01.2023</a:t>
             </a:fld>
             <a:endParaRPr lang="pl-PL"/>
           </a:p>
@@ -3269,13 +3269,13 @@
   <p:clrMapOvr>
     <a:masterClrMapping/>
   </p:clrMapOvr>
-  <mc:AlternateContent xmlns:mc="http://schemas.openxmlformats.org/markup-compatibility/2006">
-    <mc:Choice xmlns:p14="http://schemas.microsoft.com/office/powerpoint/2010/main" Requires="p14">
+  <mc:AlternateContent xmlns:mc="http://schemas.openxmlformats.org/markup-compatibility/2006" xmlns:p14="http://schemas.microsoft.com/office/powerpoint/2010/main">
+    <mc:Choice Requires="p14">
       <p:transition spd="med" p14:dur="700">
         <p:fade/>
       </p:transition>
     </mc:Choice>
-    <mc:Fallback>
+    <mc:Fallback xmlns="">
       <p:transition spd="med">
         <p:fade/>
       </p:transition>
@@ -3339,7 +3339,7 @@
       </p:sp>
       <p:pic>
         <p:nvPicPr>
-          <p:cNvPr id="3074" name="Picture 2"/>
+          <p:cNvPr id="1026" name="Picture 2"/>
           <p:cNvPicPr>
             <a:picLocks noChangeAspect="1" noChangeArrowheads="1"/>
           </p:cNvPicPr>
@@ -3360,8 +3360,8 @@
         </p:blipFill>
         <p:spPr bwMode="auto">
           <a:xfrm>
-            <a:off x="-72007" y="2132856"/>
-            <a:ext cx="9252519" cy="4426694"/>
+            <a:off x="-36512" y="2132856"/>
+            <a:ext cx="9252520" cy="4488127"/>
           </a:xfrm>
           <a:prstGeom prst="rect">
             <a:avLst/>
@@ -3370,7 +3370,6 @@
           <a:ln>
             <a:noFill/>
           </a:ln>
-          <a:effectLst/>
           <a:extLst>
             <a:ext uri="{909E8E84-426E-40DD-AFC4-6F175D3DCCD1}">
               <a14:hiddenFill xmlns:a14="http://schemas.microsoft.com/office/drawing/2010/main">
@@ -3388,15 +3387,6 @@
                 <a:headEnd/>
                 <a:tailEnd/>
               </a14:hiddenLine>
-            </a:ext>
-            <a:ext uri="{AF507438-7753-43E0-B8FC-AC1667EBCBE1}">
-              <a14:hiddenEffects xmlns:a14="http://schemas.microsoft.com/office/drawing/2010/main">
-                <a:effectLst>
-                  <a:outerShdw dist="35921" dir="2700000" algn="ctr" rotWithShape="0">
-                    <a:schemeClr val="bg2"/>
-                  </a:outerShdw>
-                </a:effectLst>
-              </a14:hiddenEffects>
             </a:ext>
           </a:extLst>
         </p:spPr>
@@ -3411,13 +3401,13 @@
   <p:clrMapOvr>
     <a:masterClrMapping/>
   </p:clrMapOvr>
-  <mc:AlternateContent xmlns:mc="http://schemas.openxmlformats.org/markup-compatibility/2006">
-    <mc:Choice xmlns:p14="http://schemas.microsoft.com/office/powerpoint/2010/main" Requires="p14">
+  <mc:AlternateContent xmlns:mc="http://schemas.openxmlformats.org/markup-compatibility/2006" xmlns:p14="http://schemas.microsoft.com/office/powerpoint/2010/main">
+    <mc:Choice Requires="p14">
       <p:transition spd="med" p14:dur="700">
         <p:fade/>
       </p:transition>
     </mc:Choice>
-    <mc:Fallback>
+    <mc:Fallback xmlns="">
       <p:transition spd="med">
         <p:fade/>
       </p:transition>
@@ -3502,7 +3492,7 @@
         </p:blipFill>
         <p:spPr bwMode="auto">
           <a:xfrm>
-            <a:off x="-72008" y="2138467"/>
+            <a:off x="-36512" y="2132856"/>
             <a:ext cx="9252520" cy="4314869"/>
           </a:xfrm>
           <a:prstGeom prst="rect">
@@ -3553,13 +3543,13 @@
   <p:clrMapOvr>
     <a:masterClrMapping/>
   </p:clrMapOvr>
-  <mc:AlternateContent xmlns:mc="http://schemas.openxmlformats.org/markup-compatibility/2006">
-    <mc:Choice xmlns:p14="http://schemas.microsoft.com/office/powerpoint/2010/main" Requires="p14">
+  <mc:AlternateContent xmlns:mc="http://schemas.openxmlformats.org/markup-compatibility/2006" xmlns:p14="http://schemas.microsoft.com/office/powerpoint/2010/main">
+    <mc:Choice Requires="p14">
       <p:transition spd="med" p14:dur="700">
         <p:fade/>
       </p:transition>
     </mc:Choice>
-    <mc:Fallback>
+    <mc:Fallback xmlns="">
       <p:transition spd="med">
         <p:fade/>
       </p:transition>
@@ -3689,13 +3679,13 @@
   <p:clrMapOvr>
     <a:masterClrMapping/>
   </p:clrMapOvr>
-  <mc:AlternateContent xmlns:mc="http://schemas.openxmlformats.org/markup-compatibility/2006">
-    <mc:Choice xmlns:p14="http://schemas.microsoft.com/office/powerpoint/2010/main" Requires="p14">
+  <mc:AlternateContent xmlns:mc="http://schemas.openxmlformats.org/markup-compatibility/2006" xmlns:p14="http://schemas.microsoft.com/office/powerpoint/2010/main">
+    <mc:Choice Requires="p14">
       <p:transition spd="med" p14:dur="700">
         <p:fade/>
       </p:transition>
     </mc:Choice>
-    <mc:Fallback>
+    <mc:Fallback xmlns="">
       <p:transition spd="med">
         <p:fade/>
       </p:transition>
@@ -3825,13 +3815,13 @@
   <p:clrMapOvr>
     <a:masterClrMapping/>
   </p:clrMapOvr>
-  <mc:AlternateContent xmlns:mc="http://schemas.openxmlformats.org/markup-compatibility/2006">
-    <mc:Choice xmlns:p14="http://schemas.microsoft.com/office/powerpoint/2010/main" Requires="p14">
+  <mc:AlternateContent xmlns:mc="http://schemas.openxmlformats.org/markup-compatibility/2006" xmlns:p14="http://schemas.microsoft.com/office/powerpoint/2010/main">
+    <mc:Choice Requires="p14">
       <p:transition spd="med" p14:dur="700">
         <p:fade/>
       </p:transition>
     </mc:Choice>
-    <mc:Fallback>
+    <mc:Fallback xmlns="">
       <p:transition spd="med">
         <p:fade/>
       </p:transition>
@@ -3961,13 +3951,13 @@
   <p:clrMapOvr>
     <a:masterClrMapping/>
   </p:clrMapOvr>
-  <mc:AlternateContent xmlns:mc="http://schemas.openxmlformats.org/markup-compatibility/2006">
-    <mc:Choice xmlns:p14="http://schemas.microsoft.com/office/powerpoint/2010/main" Requires="p14">
+  <mc:AlternateContent xmlns:mc="http://schemas.openxmlformats.org/markup-compatibility/2006" xmlns:p14="http://schemas.microsoft.com/office/powerpoint/2010/main">
+    <mc:Choice Requires="p14">
       <p:transition spd="med" p14:dur="700">
         <p:fade/>
       </p:transition>
     </mc:Choice>
-    <mc:Fallback>
+    <mc:Fallback xmlns="">
       <p:transition spd="med">
         <p:fade/>
       </p:transition>
@@ -4097,13 +4087,13 @@
   <p:clrMapOvr>
     <a:masterClrMapping/>
   </p:clrMapOvr>
-  <mc:AlternateContent xmlns:mc="http://schemas.openxmlformats.org/markup-compatibility/2006">
-    <mc:Choice xmlns:p14="http://schemas.microsoft.com/office/powerpoint/2010/main" Requires="p14">
+  <mc:AlternateContent xmlns:mc="http://schemas.openxmlformats.org/markup-compatibility/2006" xmlns:p14="http://schemas.microsoft.com/office/powerpoint/2010/main">
+    <mc:Choice Requires="p14">
       <p:transition spd="med" p14:dur="700">
         <p:fade/>
       </p:transition>
     </mc:Choice>
-    <mc:Fallback>
+    <mc:Fallback xmlns="">
       <p:transition spd="med">
         <p:fade/>
       </p:transition>
@@ -4233,13 +4223,13 @@
   <p:clrMapOvr>
     <a:masterClrMapping/>
   </p:clrMapOvr>
-  <mc:AlternateContent xmlns:mc="http://schemas.openxmlformats.org/markup-compatibility/2006">
-    <mc:Choice xmlns:p14="http://schemas.microsoft.com/office/powerpoint/2010/main" Requires="p14">
+  <mc:AlternateContent xmlns:mc="http://schemas.openxmlformats.org/markup-compatibility/2006" xmlns:p14="http://schemas.microsoft.com/office/powerpoint/2010/main">
+    <mc:Choice Requires="p14">
       <p:transition spd="med" p14:dur="700">
         <p:fade/>
       </p:transition>
     </mc:Choice>
-    <mc:Fallback>
+    <mc:Fallback xmlns="">
       <p:transition spd="med">
         <p:fade/>
       </p:transition>
@@ -4387,13 +4377,13 @@
   <p:clrMapOvr>
     <a:masterClrMapping/>
   </p:clrMapOvr>
-  <mc:AlternateContent xmlns:mc="http://schemas.openxmlformats.org/markup-compatibility/2006">
-    <mc:Choice xmlns:p14="http://schemas.microsoft.com/office/powerpoint/2010/main" Requires="p14">
+  <mc:AlternateContent xmlns:mc="http://schemas.openxmlformats.org/markup-compatibility/2006" xmlns:p14="http://schemas.microsoft.com/office/powerpoint/2010/main">
+    <mc:Choice Requires="p14">
       <p:transition spd="med" p14:dur="700">
         <p:fade/>
       </p:transition>
     </mc:Choice>
-    <mc:Fallback>
+    <mc:Fallback xmlns="">
       <p:transition spd="med">
         <p:fade/>
       </p:transition>
@@ -4523,13 +4513,13 @@
   <p:clrMapOvr>
     <a:masterClrMapping/>
   </p:clrMapOvr>
-  <mc:AlternateContent xmlns:mc="http://schemas.openxmlformats.org/markup-compatibility/2006">
-    <mc:Choice xmlns:p14="http://schemas.microsoft.com/office/powerpoint/2010/main" Requires="p14">
+  <mc:AlternateContent xmlns:mc="http://schemas.openxmlformats.org/markup-compatibility/2006" xmlns:p14="http://schemas.microsoft.com/office/powerpoint/2010/main">
+    <mc:Choice Requires="p14">
       <p:transition spd="med" p14:dur="700">
         <p:fade/>
       </p:transition>
     </mc:Choice>
-    <mc:Fallback>
+    <mc:Fallback xmlns="">
       <p:transition spd="med">
         <p:fade/>
       </p:transition>
@@ -4723,13 +4713,13 @@
   <p:clrMapOvr>
     <a:masterClrMapping/>
   </p:clrMapOvr>
-  <mc:AlternateContent xmlns:mc="http://schemas.openxmlformats.org/markup-compatibility/2006">
-    <mc:Choice xmlns:p14="http://schemas.microsoft.com/office/powerpoint/2010/main" Requires="p14">
+  <mc:AlternateContent xmlns:mc="http://schemas.openxmlformats.org/markup-compatibility/2006" xmlns:p14="http://schemas.microsoft.com/office/powerpoint/2010/main">
+    <mc:Choice Requires="p14">
       <p:transition spd="med" p14:dur="700">
         <p:fade/>
       </p:transition>
     </mc:Choice>
-    <mc:Fallback>
+    <mc:Fallback xmlns="">
       <p:transition spd="med">
         <p:fade/>
       </p:transition>
@@ -4887,13 +4877,13 @@
   <p:clrMapOvr>
     <a:masterClrMapping/>
   </p:clrMapOvr>
-  <mc:AlternateContent xmlns:mc="http://schemas.openxmlformats.org/markup-compatibility/2006">
-    <mc:Choice xmlns:p14="http://schemas.microsoft.com/office/powerpoint/2010/main" Requires="p14">
+  <mc:AlternateContent xmlns:mc="http://schemas.openxmlformats.org/markup-compatibility/2006" xmlns:p14="http://schemas.microsoft.com/office/powerpoint/2010/main">
+    <mc:Choice Requires="p14">
       <p:transition spd="med" p14:dur="700">
         <p:fade/>
       </p:transition>
     </mc:Choice>
-    <mc:Fallback>
+    <mc:Fallback xmlns="">
       <p:transition spd="med">
         <p:fade/>
       </p:transition>
@@ -5091,13 +5081,13 @@
   <p:clrMapOvr>
     <a:masterClrMapping/>
   </p:clrMapOvr>
-  <mc:AlternateContent xmlns:mc="http://schemas.openxmlformats.org/markup-compatibility/2006">
-    <mc:Choice xmlns:p14="http://schemas.microsoft.com/office/powerpoint/2010/main" Requires="p14">
+  <mc:AlternateContent xmlns:mc="http://schemas.openxmlformats.org/markup-compatibility/2006" xmlns:p14="http://schemas.microsoft.com/office/powerpoint/2010/main">
+    <mc:Choice Requires="p14">
       <p:transition spd="med" p14:dur="700">
         <p:fade/>
       </p:transition>
     </mc:Choice>
-    <mc:Fallback>
+    <mc:Fallback xmlns="">
       <p:transition spd="med">
         <p:fade/>
       </p:transition>
@@ -5221,13 +5211,13 @@
   <p:clrMapOvr>
     <a:masterClrMapping/>
   </p:clrMapOvr>
-  <mc:AlternateContent xmlns:mc="http://schemas.openxmlformats.org/markup-compatibility/2006">
-    <mc:Choice xmlns:p14="http://schemas.microsoft.com/office/powerpoint/2010/main" Requires="p14">
+  <mc:AlternateContent xmlns:mc="http://schemas.openxmlformats.org/markup-compatibility/2006" xmlns:p14="http://schemas.microsoft.com/office/powerpoint/2010/main">
+    <mc:Choice Requires="p14">
       <p:transition spd="med" p14:dur="700">
         <p:fade/>
       </p:transition>
     </mc:Choice>
-    <mc:Fallback>
+    <mc:Fallback xmlns="">
       <p:transition spd="med">
         <p:fade/>
       </p:transition>
@@ -5328,13 +5318,13 @@
   <p:clrMapOvr>
     <a:masterClrMapping/>
   </p:clrMapOvr>
-  <mc:AlternateContent xmlns:mc="http://schemas.openxmlformats.org/markup-compatibility/2006">
-    <mc:Choice xmlns:p14="http://schemas.microsoft.com/office/powerpoint/2010/main" Requires="p14">
+  <mc:AlternateContent xmlns:mc="http://schemas.openxmlformats.org/markup-compatibility/2006" xmlns:p14="http://schemas.microsoft.com/office/powerpoint/2010/main">
+    <mc:Choice Requires="p14">
       <p:transition spd="med" p14:dur="700">
         <p:fade/>
       </p:transition>
     </mc:Choice>
-    <mc:Fallback>
+    <mc:Fallback xmlns="">
       <p:transition spd="med">
         <p:fade/>
       </p:transition>
@@ -5473,13 +5463,13 @@
   <p:clrMapOvr>
     <a:masterClrMapping/>
   </p:clrMapOvr>
-  <mc:AlternateContent xmlns:mc="http://schemas.openxmlformats.org/markup-compatibility/2006">
-    <mc:Choice xmlns:p14="http://schemas.microsoft.com/office/powerpoint/2010/main" Requires="p14">
+  <mc:AlternateContent xmlns:mc="http://schemas.openxmlformats.org/markup-compatibility/2006" xmlns:p14="http://schemas.microsoft.com/office/powerpoint/2010/main">
+    <mc:Choice Requires="p14">
       <p:transition spd="med" p14:dur="700">
         <p:fade/>
       </p:transition>
     </mc:Choice>
-    <mc:Fallback>
+    <mc:Fallback xmlns="">
       <p:transition spd="med">
         <p:fade/>
       </p:transition>
@@ -5764,13 +5754,13 @@
   <p:clrMapOvr>
     <a:masterClrMapping/>
   </p:clrMapOvr>
-  <mc:AlternateContent xmlns:mc="http://schemas.openxmlformats.org/markup-compatibility/2006">
-    <mc:Choice xmlns:p14="http://schemas.microsoft.com/office/powerpoint/2010/main" Requires="p14">
+  <mc:AlternateContent xmlns:mc="http://schemas.openxmlformats.org/markup-compatibility/2006" xmlns:p14="http://schemas.microsoft.com/office/powerpoint/2010/main">
+    <mc:Choice Requires="p14">
       <p:transition spd="med" p14:dur="700">
         <p:fade/>
       </p:transition>
     </mc:Choice>
-    <mc:Fallback>
+    <mc:Fallback xmlns="">
       <p:transition spd="med">
         <p:fade/>
       </p:transition>
@@ -5878,13 +5868,13 @@
   <p:clrMapOvr>
     <a:masterClrMapping/>
   </p:clrMapOvr>
-  <mc:AlternateContent xmlns:mc="http://schemas.openxmlformats.org/markup-compatibility/2006">
-    <mc:Choice xmlns:p14="http://schemas.microsoft.com/office/powerpoint/2010/main" Requires="p14">
+  <mc:AlternateContent xmlns:mc="http://schemas.openxmlformats.org/markup-compatibility/2006" xmlns:p14="http://schemas.microsoft.com/office/powerpoint/2010/main">
+    <mc:Choice Requires="p14">
       <p:transition spd="med" p14:dur="700">
         <p:fade/>
       </p:transition>
     </mc:Choice>
-    <mc:Fallback>
+    <mc:Fallback xmlns="">
       <p:transition spd="med">
         <p:fade/>
       </p:transition>
@@ -5996,13 +5986,13 @@
   <p:clrMapOvr>
     <a:masterClrMapping/>
   </p:clrMapOvr>
-  <mc:AlternateContent xmlns:mc="http://schemas.openxmlformats.org/markup-compatibility/2006">
-    <mc:Choice xmlns:p14="http://schemas.microsoft.com/office/powerpoint/2010/main" Requires="p14">
+  <mc:AlternateContent xmlns:mc="http://schemas.openxmlformats.org/markup-compatibility/2006" xmlns:p14="http://schemas.microsoft.com/office/powerpoint/2010/main">
+    <mc:Choice Requires="p14">
       <p:transition spd="med" p14:dur="700">
         <p:fade/>
       </p:transition>
     </mc:Choice>
-    <mc:Fallback>
+    <mc:Fallback xmlns="">
       <p:transition spd="med">
         <p:fade/>
       </p:transition>
@@ -6099,13 +6089,13 @@
   <p:clrMapOvr>
     <a:masterClrMapping/>
   </p:clrMapOvr>
-  <mc:AlternateContent xmlns:mc="http://schemas.openxmlformats.org/markup-compatibility/2006">
-    <mc:Choice xmlns:p14="http://schemas.microsoft.com/office/powerpoint/2010/main" Requires="p14">
+  <mc:AlternateContent xmlns:mc="http://schemas.openxmlformats.org/markup-compatibility/2006" xmlns:p14="http://schemas.microsoft.com/office/powerpoint/2010/main">
+    <mc:Choice Requires="p14">
       <p:transition spd="med" p14:dur="700">
         <p:fade/>
       </p:transition>
     </mc:Choice>
-    <mc:Fallback>
+    <mc:Fallback xmlns="">
       <p:transition spd="med">
         <p:fade/>
       </p:transition>
@@ -6837,13 +6827,13 @@
   <p:clrMapOvr>
     <a:masterClrMapping/>
   </p:clrMapOvr>
-  <mc:AlternateContent xmlns:mc="http://schemas.openxmlformats.org/markup-compatibility/2006">
-    <mc:Choice xmlns:p14="http://schemas.microsoft.com/office/powerpoint/2010/main" Requires="p14">
+  <mc:AlternateContent xmlns:mc="http://schemas.openxmlformats.org/markup-compatibility/2006" xmlns:p14="http://schemas.microsoft.com/office/powerpoint/2010/main">
+    <mc:Choice Requires="p14">
       <p:transition spd="med" p14:dur="700">
         <p:fade/>
       </p:transition>
     </mc:Choice>
-    <mc:Fallback>
+    <mc:Fallback xmlns="">
       <p:transition spd="med">
         <p:fade/>
       </p:transition>
@@ -6996,13 +6986,13 @@
   <p:clrMapOvr>
     <a:masterClrMapping/>
   </p:clrMapOvr>
-  <mc:AlternateContent xmlns:mc="http://schemas.openxmlformats.org/markup-compatibility/2006">
-    <mc:Choice xmlns:p14="http://schemas.microsoft.com/office/powerpoint/2010/main" Requires="p14">
+  <mc:AlternateContent xmlns:mc="http://schemas.openxmlformats.org/markup-compatibility/2006" xmlns:p14="http://schemas.microsoft.com/office/powerpoint/2010/main">
+    <mc:Choice Requires="p14">
       <p:transition spd="med" p14:dur="700">
         <p:fade/>
       </p:transition>
     </mc:Choice>
-    <mc:Fallback>
+    <mc:Fallback xmlns="">
       <p:transition spd="med">
         <p:fade/>
       </p:transition>
